--- a/documentacao/proto-persona.pptx
+++ b/documentacao/proto-persona.pptx
@@ -242,7 +242,7 @@
           <a:p>
             <a:fld id="{15597F5E-0A00-4C20-87C4-6D8E97BF820D}" type="datetimeFigureOut">
               <a:rPr lang="pt-BR" smtClean="0"/>
-              <a:t>11/09/2019</a:t>
+              <a:t>12/09/2019</a:t>
             </a:fld>
             <a:endParaRPr lang="pt-BR"/>
           </a:p>
@@ -410,7 +410,7 @@
           <a:p>
             <a:fld id="{15597F5E-0A00-4C20-87C4-6D8E97BF820D}" type="datetimeFigureOut">
               <a:rPr lang="pt-BR" smtClean="0"/>
-              <a:t>11/09/2019</a:t>
+              <a:t>12/09/2019</a:t>
             </a:fld>
             <a:endParaRPr lang="pt-BR"/>
           </a:p>
@@ -588,7 +588,7 @@
           <a:p>
             <a:fld id="{15597F5E-0A00-4C20-87C4-6D8E97BF820D}" type="datetimeFigureOut">
               <a:rPr lang="pt-BR" smtClean="0"/>
-              <a:t>11/09/2019</a:t>
+              <a:t>12/09/2019</a:t>
             </a:fld>
             <a:endParaRPr lang="pt-BR"/>
           </a:p>
@@ -756,7 +756,7 @@
           <a:p>
             <a:fld id="{15597F5E-0A00-4C20-87C4-6D8E97BF820D}" type="datetimeFigureOut">
               <a:rPr lang="pt-BR" smtClean="0"/>
-              <a:t>11/09/2019</a:t>
+              <a:t>12/09/2019</a:t>
             </a:fld>
             <a:endParaRPr lang="pt-BR"/>
           </a:p>
@@ -1001,7 +1001,7 @@
           <a:p>
             <a:fld id="{15597F5E-0A00-4C20-87C4-6D8E97BF820D}" type="datetimeFigureOut">
               <a:rPr lang="pt-BR" smtClean="0"/>
-              <a:t>11/09/2019</a:t>
+              <a:t>12/09/2019</a:t>
             </a:fld>
             <a:endParaRPr lang="pt-BR"/>
           </a:p>
@@ -1230,7 +1230,7 @@
           <a:p>
             <a:fld id="{15597F5E-0A00-4C20-87C4-6D8E97BF820D}" type="datetimeFigureOut">
               <a:rPr lang="pt-BR" smtClean="0"/>
-              <a:t>11/09/2019</a:t>
+              <a:t>12/09/2019</a:t>
             </a:fld>
             <a:endParaRPr lang="pt-BR"/>
           </a:p>
@@ -1594,7 +1594,7 @@
           <a:p>
             <a:fld id="{15597F5E-0A00-4C20-87C4-6D8E97BF820D}" type="datetimeFigureOut">
               <a:rPr lang="pt-BR" smtClean="0"/>
-              <a:t>11/09/2019</a:t>
+              <a:t>12/09/2019</a:t>
             </a:fld>
             <a:endParaRPr lang="pt-BR"/>
           </a:p>
@@ -1711,7 +1711,7 @@
           <a:p>
             <a:fld id="{15597F5E-0A00-4C20-87C4-6D8E97BF820D}" type="datetimeFigureOut">
               <a:rPr lang="pt-BR" smtClean="0"/>
-              <a:t>11/09/2019</a:t>
+              <a:t>12/09/2019</a:t>
             </a:fld>
             <a:endParaRPr lang="pt-BR"/>
           </a:p>
@@ -1806,7 +1806,7 @@
           <a:p>
             <a:fld id="{15597F5E-0A00-4C20-87C4-6D8E97BF820D}" type="datetimeFigureOut">
               <a:rPr lang="pt-BR" smtClean="0"/>
-              <a:t>11/09/2019</a:t>
+              <a:t>12/09/2019</a:t>
             </a:fld>
             <a:endParaRPr lang="pt-BR"/>
           </a:p>
@@ -2081,7 +2081,7 @@
           <a:p>
             <a:fld id="{15597F5E-0A00-4C20-87C4-6D8E97BF820D}" type="datetimeFigureOut">
               <a:rPr lang="pt-BR" smtClean="0"/>
-              <a:t>11/09/2019</a:t>
+              <a:t>12/09/2019</a:t>
             </a:fld>
             <a:endParaRPr lang="pt-BR"/>
           </a:p>
@@ -2333,7 +2333,7 @@
           <a:p>
             <a:fld id="{15597F5E-0A00-4C20-87C4-6D8E97BF820D}" type="datetimeFigureOut">
               <a:rPr lang="pt-BR" smtClean="0"/>
-              <a:t>11/09/2019</a:t>
+              <a:t>12/09/2019</a:t>
             </a:fld>
             <a:endParaRPr lang="pt-BR"/>
           </a:p>
@@ -2544,7 +2544,7 @@
           <a:p>
             <a:fld id="{15597F5E-0A00-4C20-87C4-6D8E97BF820D}" type="datetimeFigureOut">
               <a:rPr lang="pt-BR" smtClean="0"/>
-              <a:t>11/09/2019</a:t>
+              <a:t>12/09/2019</a:t>
             </a:fld>
             <a:endParaRPr lang="pt-BR"/>
           </a:p>
@@ -4692,7 +4692,7 @@
           <a:lstStyle/>
           <a:p>
             <a:r>
-              <a:rPr lang="pt-BR" sz="4400" dirty="0" err="1">
+              <a:rPr lang="pt-BR" sz="4400" dirty="0" err="1" smtClean="0">
                 <a:solidFill>
                   <a:schemeClr val="bg1"/>
                 </a:solidFill>
@@ -4702,14 +4702,14 @@
               <a:t>Proto</a:t>
             </a:r>
             <a:r>
-              <a:rPr lang="pt-BR" sz="4400" dirty="0">
+              <a:rPr lang="pt-BR" sz="4400" dirty="0" smtClean="0">
                 <a:solidFill>
                   <a:schemeClr val="bg1"/>
                 </a:solidFill>
                 <a:latin typeface="Baskerville Old Face" panose="02020602080505020303" pitchFamily="18" charset="0"/>
                 <a:cs typeface="Arial" panose="020B0604020202020204" pitchFamily="34" charset="0"/>
               </a:rPr>
-              <a:t> persona do usuário</a:t>
+              <a:t> persona do NOC</a:t>
             </a:r>
             <a:endParaRPr lang="pt-BR" sz="4400" dirty="0">
               <a:solidFill>
